--- a/plan/비율.pptx
+++ b/plan/비율.pptx
@@ -6,6 +6,7 @@
   </p:sldMasterIdLst>
   <p:sldIdLst>
     <p:sldId id="256" r:id="rId2"/>
+    <p:sldId id="257" r:id="rId3"/>
   </p:sldIdLst>
   <p:sldSz cx="12192000" cy="6858000"/>
   <p:notesSz cx="6858000" cy="9144000"/>
@@ -104,6 +105,11 @@
       </a:defRPr>
     </a:lvl9pPr>
   </p:defaultTextStyle>
+  <p:extLst>
+    <p:ext uri="{EFAFB233-063F-42B5-8137-9DF3F51BA10A}">
+      <p15:sldGuideLst xmlns:p15="http://schemas.microsoft.com/office/powerpoint/2012/main"/>
+    </p:ext>
+  </p:extLst>
 </p:presentation>
 </file>
 
@@ -4393,6 +4399,1104 @@
 </p:sld>
 </file>
 
+<file path=ppt/slides/slide2.xml><?xml version="1.0" encoding="utf-8"?>
+<p:sld xmlns:a="http://schemas.openxmlformats.org/drawingml/2006/main" xmlns:r="http://schemas.openxmlformats.org/officeDocument/2006/relationships" xmlns:p="http://schemas.openxmlformats.org/presentationml/2006/main">
+  <p:cSld>
+    <p:spTree>
+      <p:nvGrpSpPr>
+        <p:cNvPr id="1" name=""/>
+        <p:cNvGrpSpPr/>
+        <p:nvPr/>
+      </p:nvGrpSpPr>
+      <p:grpSpPr>
+        <a:xfrm>
+          <a:off x="0" y="0"/>
+          <a:ext cx="0" cy="0"/>
+          <a:chOff x="0" y="0"/>
+          <a:chExt cx="0" cy="0"/>
+        </a:xfrm>
+      </p:grpSpPr>
+      <p:sp>
+        <p:nvSpPr>
+          <p:cNvPr id="2" name="제목 1">
+            <a:extLst>
+              <a:ext uri="{FF2B5EF4-FFF2-40B4-BE49-F238E27FC236}">
+                <a16:creationId xmlns:a16="http://schemas.microsoft.com/office/drawing/2014/main" id="{AC59BF53-88A0-220C-E05E-C245024DDD86}"/>
+              </a:ext>
+            </a:extLst>
+          </p:cNvPr>
+          <p:cNvSpPr>
+            <a:spLocks noGrp="1"/>
+          </p:cNvSpPr>
+          <p:nvPr>
+            <p:ph type="ctrTitle"/>
+          </p:nvPr>
+        </p:nvSpPr>
+        <p:spPr/>
+        <p:txBody>
+          <a:bodyPr/>
+          <a:lstStyle/>
+          <a:p>
+            <a:endParaRPr lang="ko-KR" altLang="en-US" dirty="0"/>
+          </a:p>
+        </p:txBody>
+      </p:sp>
+      <p:sp>
+        <p:nvSpPr>
+          <p:cNvPr id="3" name="부제목 2">
+            <a:extLst>
+              <a:ext uri="{FF2B5EF4-FFF2-40B4-BE49-F238E27FC236}">
+                <a16:creationId xmlns:a16="http://schemas.microsoft.com/office/drawing/2014/main" id="{561C0933-BBC2-1E05-3AE9-A2E2C8AB770E}"/>
+              </a:ext>
+            </a:extLst>
+          </p:cNvPr>
+          <p:cNvSpPr>
+            <a:spLocks noGrp="1"/>
+          </p:cNvSpPr>
+          <p:nvPr>
+            <p:ph type="subTitle" idx="1"/>
+          </p:nvPr>
+        </p:nvSpPr>
+        <p:spPr/>
+        <p:txBody>
+          <a:bodyPr/>
+          <a:lstStyle/>
+          <a:p>
+            <a:endParaRPr lang="ko-KR" altLang="en-US"/>
+          </a:p>
+        </p:txBody>
+      </p:sp>
+      <p:sp>
+        <p:nvSpPr>
+          <p:cNvPr id="6" name="직사각형 5">
+            <a:extLst>
+              <a:ext uri="{FF2B5EF4-FFF2-40B4-BE49-F238E27FC236}">
+                <a16:creationId xmlns:a16="http://schemas.microsoft.com/office/drawing/2014/main" id="{116AED42-C64C-54C3-9F48-6AA68A1DD5BF}"/>
+              </a:ext>
+            </a:extLst>
+          </p:cNvPr>
+          <p:cNvSpPr/>
+          <p:nvPr/>
+        </p:nvSpPr>
+        <p:spPr>
+          <a:xfrm>
+            <a:off x="7675356" y="308308"/>
+            <a:ext cx="1009650" cy="301291"/>
+          </a:xfrm>
+          <a:prstGeom prst="rect">
+            <a:avLst/>
+          </a:prstGeom>
+        </p:spPr>
+        <p:style>
+          <a:lnRef idx="2">
+            <a:schemeClr val="accent1">
+              <a:shade val="15000"/>
+            </a:schemeClr>
+          </a:lnRef>
+          <a:fillRef idx="1">
+            <a:schemeClr val="accent1"/>
+          </a:fillRef>
+          <a:effectRef idx="0">
+            <a:schemeClr val="accent1"/>
+          </a:effectRef>
+          <a:fontRef idx="minor">
+            <a:schemeClr val="lt1"/>
+          </a:fontRef>
+        </p:style>
+        <p:txBody>
+          <a:bodyPr rtlCol="0" anchor="ctr"/>
+          <a:lstStyle/>
+          <a:p>
+            <a:pPr algn="ctr"/>
+            <a:endParaRPr lang="ko-KR" altLang="en-US"/>
+          </a:p>
+        </p:txBody>
+      </p:sp>
+      <p:sp>
+        <p:nvSpPr>
+          <p:cNvPr id="8" name="직사각형 7">
+            <a:extLst>
+              <a:ext uri="{FF2B5EF4-FFF2-40B4-BE49-F238E27FC236}">
+                <a16:creationId xmlns:a16="http://schemas.microsoft.com/office/drawing/2014/main" id="{8A054059-C099-D3DF-828E-DA78B4133317}"/>
+              </a:ext>
+            </a:extLst>
+          </p:cNvPr>
+          <p:cNvSpPr/>
+          <p:nvPr/>
+        </p:nvSpPr>
+        <p:spPr>
+          <a:xfrm>
+            <a:off x="7675356" y="609599"/>
+            <a:ext cx="1009650" cy="301291"/>
+          </a:xfrm>
+          <a:prstGeom prst="rect">
+            <a:avLst/>
+          </a:prstGeom>
+        </p:spPr>
+        <p:style>
+          <a:lnRef idx="2">
+            <a:schemeClr val="accent1">
+              <a:shade val="15000"/>
+            </a:schemeClr>
+          </a:lnRef>
+          <a:fillRef idx="1">
+            <a:schemeClr val="accent1"/>
+          </a:fillRef>
+          <a:effectRef idx="0">
+            <a:schemeClr val="accent1"/>
+          </a:effectRef>
+          <a:fontRef idx="minor">
+            <a:schemeClr val="lt1"/>
+          </a:fontRef>
+        </p:style>
+        <p:txBody>
+          <a:bodyPr rtlCol="0" anchor="ctr"/>
+          <a:lstStyle/>
+          <a:p>
+            <a:pPr algn="ctr"/>
+            <a:endParaRPr lang="ko-KR" altLang="en-US"/>
+          </a:p>
+        </p:txBody>
+      </p:sp>
+      <p:sp>
+        <p:nvSpPr>
+          <p:cNvPr id="9" name="직사각형 8">
+            <a:extLst>
+              <a:ext uri="{FF2B5EF4-FFF2-40B4-BE49-F238E27FC236}">
+                <a16:creationId xmlns:a16="http://schemas.microsoft.com/office/drawing/2014/main" id="{1BD71624-426F-26CA-00EF-B24959EF7DEB}"/>
+              </a:ext>
+            </a:extLst>
+          </p:cNvPr>
+          <p:cNvSpPr/>
+          <p:nvPr/>
+        </p:nvSpPr>
+        <p:spPr>
+          <a:xfrm>
+            <a:off x="7675356" y="925176"/>
+            <a:ext cx="1009650" cy="301291"/>
+          </a:xfrm>
+          <a:prstGeom prst="rect">
+            <a:avLst/>
+          </a:prstGeom>
+        </p:spPr>
+        <p:style>
+          <a:lnRef idx="2">
+            <a:schemeClr val="accent1">
+              <a:shade val="15000"/>
+            </a:schemeClr>
+          </a:lnRef>
+          <a:fillRef idx="1">
+            <a:schemeClr val="accent1"/>
+          </a:fillRef>
+          <a:effectRef idx="0">
+            <a:schemeClr val="accent1"/>
+          </a:effectRef>
+          <a:fontRef idx="minor">
+            <a:schemeClr val="lt1"/>
+          </a:fontRef>
+        </p:style>
+        <p:txBody>
+          <a:bodyPr rtlCol="0" anchor="ctr"/>
+          <a:lstStyle/>
+          <a:p>
+            <a:pPr algn="ctr"/>
+            <a:endParaRPr lang="ko-KR" altLang="en-US"/>
+          </a:p>
+        </p:txBody>
+      </p:sp>
+      <p:sp>
+        <p:nvSpPr>
+          <p:cNvPr id="10" name="직사각형 9">
+            <a:extLst>
+              <a:ext uri="{FF2B5EF4-FFF2-40B4-BE49-F238E27FC236}">
+                <a16:creationId xmlns:a16="http://schemas.microsoft.com/office/drawing/2014/main" id="{3D4F4495-4BB2-EE13-5BC9-E803A24F83A3}"/>
+              </a:ext>
+            </a:extLst>
+          </p:cNvPr>
+          <p:cNvSpPr/>
+          <p:nvPr/>
+        </p:nvSpPr>
+        <p:spPr>
+          <a:xfrm>
+            <a:off x="7675356" y="1212181"/>
+            <a:ext cx="1009650" cy="301291"/>
+          </a:xfrm>
+          <a:prstGeom prst="rect">
+            <a:avLst/>
+          </a:prstGeom>
+        </p:spPr>
+        <p:style>
+          <a:lnRef idx="2">
+            <a:schemeClr val="accent1">
+              <a:shade val="15000"/>
+            </a:schemeClr>
+          </a:lnRef>
+          <a:fillRef idx="1">
+            <a:schemeClr val="accent1"/>
+          </a:fillRef>
+          <a:effectRef idx="0">
+            <a:schemeClr val="accent1"/>
+          </a:effectRef>
+          <a:fontRef idx="minor">
+            <a:schemeClr val="lt1"/>
+          </a:fontRef>
+        </p:style>
+        <p:txBody>
+          <a:bodyPr rtlCol="0" anchor="ctr"/>
+          <a:lstStyle/>
+          <a:p>
+            <a:pPr algn="ctr"/>
+            <a:endParaRPr lang="ko-KR" altLang="en-US"/>
+          </a:p>
+        </p:txBody>
+      </p:sp>
+      <p:sp>
+        <p:nvSpPr>
+          <p:cNvPr id="11" name="직사각형 10">
+            <a:extLst>
+              <a:ext uri="{FF2B5EF4-FFF2-40B4-BE49-F238E27FC236}">
+                <a16:creationId xmlns:a16="http://schemas.microsoft.com/office/drawing/2014/main" id="{27B43151-027A-E304-1D78-25F3F313BE99}"/>
+              </a:ext>
+            </a:extLst>
+          </p:cNvPr>
+          <p:cNvSpPr/>
+          <p:nvPr/>
+        </p:nvSpPr>
+        <p:spPr>
+          <a:xfrm>
+            <a:off x="7675356" y="1513472"/>
+            <a:ext cx="1009650" cy="301291"/>
+          </a:xfrm>
+          <a:prstGeom prst="rect">
+            <a:avLst/>
+          </a:prstGeom>
+        </p:spPr>
+        <p:style>
+          <a:lnRef idx="2">
+            <a:schemeClr val="accent1">
+              <a:shade val="15000"/>
+            </a:schemeClr>
+          </a:lnRef>
+          <a:fillRef idx="1">
+            <a:schemeClr val="accent1"/>
+          </a:fillRef>
+          <a:effectRef idx="0">
+            <a:schemeClr val="accent1"/>
+          </a:effectRef>
+          <a:fontRef idx="minor">
+            <a:schemeClr val="lt1"/>
+          </a:fontRef>
+        </p:style>
+        <p:txBody>
+          <a:bodyPr rtlCol="0" anchor="ctr"/>
+          <a:lstStyle/>
+          <a:p>
+            <a:pPr algn="ctr"/>
+            <a:endParaRPr lang="ko-KR" altLang="en-US"/>
+          </a:p>
+        </p:txBody>
+      </p:sp>
+      <p:sp>
+        <p:nvSpPr>
+          <p:cNvPr id="12" name="직사각형 11">
+            <a:extLst>
+              <a:ext uri="{FF2B5EF4-FFF2-40B4-BE49-F238E27FC236}">
+                <a16:creationId xmlns:a16="http://schemas.microsoft.com/office/drawing/2014/main" id="{942267DA-271F-38E9-F816-012AADF8E9E6}"/>
+              </a:ext>
+            </a:extLst>
+          </p:cNvPr>
+          <p:cNvSpPr/>
+          <p:nvPr/>
+        </p:nvSpPr>
+        <p:spPr>
+          <a:xfrm>
+            <a:off x="7675356" y="1814763"/>
+            <a:ext cx="1009650" cy="301291"/>
+          </a:xfrm>
+          <a:prstGeom prst="rect">
+            <a:avLst/>
+          </a:prstGeom>
+        </p:spPr>
+        <p:style>
+          <a:lnRef idx="2">
+            <a:schemeClr val="accent1">
+              <a:shade val="15000"/>
+            </a:schemeClr>
+          </a:lnRef>
+          <a:fillRef idx="1">
+            <a:schemeClr val="accent1"/>
+          </a:fillRef>
+          <a:effectRef idx="0">
+            <a:schemeClr val="accent1"/>
+          </a:effectRef>
+          <a:fontRef idx="minor">
+            <a:schemeClr val="lt1"/>
+          </a:fontRef>
+        </p:style>
+        <p:txBody>
+          <a:bodyPr rtlCol="0" anchor="ctr"/>
+          <a:lstStyle/>
+          <a:p>
+            <a:pPr algn="ctr"/>
+            <a:endParaRPr lang="ko-KR" altLang="en-US"/>
+          </a:p>
+        </p:txBody>
+      </p:sp>
+      <p:sp>
+        <p:nvSpPr>
+          <p:cNvPr id="13" name="직사각형 12">
+            <a:extLst>
+              <a:ext uri="{FF2B5EF4-FFF2-40B4-BE49-F238E27FC236}">
+                <a16:creationId xmlns:a16="http://schemas.microsoft.com/office/drawing/2014/main" id="{C6CE2AB7-3F16-AE7E-926A-AC08D6C001A6}"/>
+              </a:ext>
+            </a:extLst>
+          </p:cNvPr>
+          <p:cNvSpPr/>
+          <p:nvPr/>
+        </p:nvSpPr>
+        <p:spPr>
+          <a:xfrm>
+            <a:off x="7675356" y="2131091"/>
+            <a:ext cx="1009650" cy="301291"/>
+          </a:xfrm>
+          <a:prstGeom prst="rect">
+            <a:avLst/>
+          </a:prstGeom>
+        </p:spPr>
+        <p:style>
+          <a:lnRef idx="2">
+            <a:schemeClr val="accent1">
+              <a:shade val="15000"/>
+            </a:schemeClr>
+          </a:lnRef>
+          <a:fillRef idx="1">
+            <a:schemeClr val="accent1"/>
+          </a:fillRef>
+          <a:effectRef idx="0">
+            <a:schemeClr val="accent1"/>
+          </a:effectRef>
+          <a:fontRef idx="minor">
+            <a:schemeClr val="lt1"/>
+          </a:fontRef>
+        </p:style>
+        <p:txBody>
+          <a:bodyPr rtlCol="0" anchor="ctr"/>
+          <a:lstStyle/>
+          <a:p>
+            <a:pPr algn="ctr"/>
+            <a:endParaRPr lang="ko-KR" altLang="en-US"/>
+          </a:p>
+        </p:txBody>
+      </p:sp>
+      <p:sp>
+        <p:nvSpPr>
+          <p:cNvPr id="14" name="직사각형 13">
+            <a:extLst>
+              <a:ext uri="{FF2B5EF4-FFF2-40B4-BE49-F238E27FC236}">
+                <a16:creationId xmlns:a16="http://schemas.microsoft.com/office/drawing/2014/main" id="{4FF12758-2F9E-95C1-962D-8366A45CF745}"/>
+              </a:ext>
+            </a:extLst>
+          </p:cNvPr>
+          <p:cNvSpPr/>
+          <p:nvPr/>
+        </p:nvSpPr>
+        <p:spPr>
+          <a:xfrm>
+            <a:off x="7675356" y="2453438"/>
+            <a:ext cx="1009650" cy="301291"/>
+          </a:xfrm>
+          <a:prstGeom prst="rect">
+            <a:avLst/>
+          </a:prstGeom>
+          <a:solidFill>
+            <a:srgbClr val="DADDFC"/>
+          </a:solidFill>
+        </p:spPr>
+        <p:style>
+          <a:lnRef idx="2">
+            <a:schemeClr val="accent1">
+              <a:shade val="15000"/>
+            </a:schemeClr>
+          </a:lnRef>
+          <a:fillRef idx="1">
+            <a:schemeClr val="accent1"/>
+          </a:fillRef>
+          <a:effectRef idx="0">
+            <a:schemeClr val="accent1"/>
+          </a:effectRef>
+          <a:fontRef idx="minor">
+            <a:schemeClr val="lt1"/>
+          </a:fontRef>
+        </p:style>
+        <p:txBody>
+          <a:bodyPr rtlCol="0" anchor="ctr"/>
+          <a:lstStyle/>
+          <a:p>
+            <a:pPr algn="ctr"/>
+            <a:endParaRPr lang="ko-KR" altLang="en-US"/>
+          </a:p>
+        </p:txBody>
+      </p:sp>
+      <p:sp>
+        <p:nvSpPr>
+          <p:cNvPr id="15" name="직사각형 14">
+            <a:extLst>
+              <a:ext uri="{FF2B5EF4-FFF2-40B4-BE49-F238E27FC236}">
+                <a16:creationId xmlns:a16="http://schemas.microsoft.com/office/drawing/2014/main" id="{0F004A01-9A08-1FED-1486-9FA5F4751267}"/>
+              </a:ext>
+            </a:extLst>
+          </p:cNvPr>
+          <p:cNvSpPr/>
+          <p:nvPr/>
+        </p:nvSpPr>
+        <p:spPr>
+          <a:xfrm>
+            <a:off x="7675356" y="2754729"/>
+            <a:ext cx="1009650" cy="301291"/>
+          </a:xfrm>
+          <a:prstGeom prst="rect">
+            <a:avLst/>
+          </a:prstGeom>
+        </p:spPr>
+        <p:style>
+          <a:lnRef idx="2">
+            <a:schemeClr val="accent1">
+              <a:shade val="15000"/>
+            </a:schemeClr>
+          </a:lnRef>
+          <a:fillRef idx="1">
+            <a:schemeClr val="accent1"/>
+          </a:fillRef>
+          <a:effectRef idx="0">
+            <a:schemeClr val="accent1"/>
+          </a:effectRef>
+          <a:fontRef idx="minor">
+            <a:schemeClr val="lt1"/>
+          </a:fontRef>
+        </p:style>
+        <p:txBody>
+          <a:bodyPr rtlCol="0" anchor="ctr"/>
+          <a:lstStyle/>
+          <a:p>
+            <a:pPr algn="ctr"/>
+            <a:endParaRPr lang="ko-KR" altLang="en-US"/>
+          </a:p>
+        </p:txBody>
+      </p:sp>
+      <p:sp>
+        <p:nvSpPr>
+          <p:cNvPr id="16" name="직사각형 15">
+            <a:extLst>
+              <a:ext uri="{FF2B5EF4-FFF2-40B4-BE49-F238E27FC236}">
+                <a16:creationId xmlns:a16="http://schemas.microsoft.com/office/drawing/2014/main" id="{25A6B4F0-5653-0487-5462-A37B38AFF455}"/>
+              </a:ext>
+            </a:extLst>
+          </p:cNvPr>
+          <p:cNvSpPr/>
+          <p:nvPr/>
+        </p:nvSpPr>
+        <p:spPr>
+          <a:xfrm>
+            <a:off x="7675356" y="3073815"/>
+            <a:ext cx="1009650" cy="301291"/>
+          </a:xfrm>
+          <a:prstGeom prst="rect">
+            <a:avLst/>
+          </a:prstGeom>
+        </p:spPr>
+        <p:style>
+          <a:lnRef idx="2">
+            <a:schemeClr val="accent1">
+              <a:shade val="15000"/>
+            </a:schemeClr>
+          </a:lnRef>
+          <a:fillRef idx="1">
+            <a:schemeClr val="accent1"/>
+          </a:fillRef>
+          <a:effectRef idx="0">
+            <a:schemeClr val="accent1"/>
+          </a:effectRef>
+          <a:fontRef idx="minor">
+            <a:schemeClr val="lt1"/>
+          </a:fontRef>
+        </p:style>
+        <p:txBody>
+          <a:bodyPr rtlCol="0" anchor="ctr"/>
+          <a:lstStyle/>
+          <a:p>
+            <a:pPr algn="ctr"/>
+            <a:endParaRPr lang="ko-KR" altLang="en-US"/>
+          </a:p>
+        </p:txBody>
+      </p:sp>
+      <p:sp>
+        <p:nvSpPr>
+          <p:cNvPr id="17" name="직사각형 16">
+            <a:extLst>
+              <a:ext uri="{FF2B5EF4-FFF2-40B4-BE49-F238E27FC236}">
+                <a16:creationId xmlns:a16="http://schemas.microsoft.com/office/drawing/2014/main" id="{3B284027-C6D1-48B8-2822-D19A7A8B3ACB}"/>
+              </a:ext>
+            </a:extLst>
+          </p:cNvPr>
+          <p:cNvSpPr/>
+          <p:nvPr/>
+        </p:nvSpPr>
+        <p:spPr>
+          <a:xfrm>
+            <a:off x="7675356" y="3373522"/>
+            <a:ext cx="1009650" cy="301291"/>
+          </a:xfrm>
+          <a:prstGeom prst="rect">
+            <a:avLst/>
+          </a:prstGeom>
+        </p:spPr>
+        <p:style>
+          <a:lnRef idx="2">
+            <a:schemeClr val="accent1">
+              <a:shade val="15000"/>
+            </a:schemeClr>
+          </a:lnRef>
+          <a:fillRef idx="1">
+            <a:schemeClr val="accent1"/>
+          </a:fillRef>
+          <a:effectRef idx="0">
+            <a:schemeClr val="accent1"/>
+          </a:effectRef>
+          <a:fontRef idx="minor">
+            <a:schemeClr val="lt1"/>
+          </a:fontRef>
+        </p:style>
+        <p:txBody>
+          <a:bodyPr rtlCol="0" anchor="ctr"/>
+          <a:lstStyle/>
+          <a:p>
+            <a:pPr algn="ctr"/>
+            <a:endParaRPr lang="ko-KR" altLang="en-US"/>
+          </a:p>
+        </p:txBody>
+      </p:sp>
+      <p:sp>
+        <p:nvSpPr>
+          <p:cNvPr id="18" name="직사각형 17">
+            <a:extLst>
+              <a:ext uri="{FF2B5EF4-FFF2-40B4-BE49-F238E27FC236}">
+                <a16:creationId xmlns:a16="http://schemas.microsoft.com/office/drawing/2014/main" id="{0FFCBDE3-E05E-8D89-85A1-BD202D2911CB}"/>
+              </a:ext>
+            </a:extLst>
+          </p:cNvPr>
+          <p:cNvSpPr/>
+          <p:nvPr/>
+        </p:nvSpPr>
+        <p:spPr>
+          <a:xfrm>
+            <a:off x="7675356" y="3674813"/>
+            <a:ext cx="1009650" cy="301291"/>
+          </a:xfrm>
+          <a:prstGeom prst="rect">
+            <a:avLst/>
+          </a:prstGeom>
+        </p:spPr>
+        <p:style>
+          <a:lnRef idx="2">
+            <a:schemeClr val="accent1">
+              <a:shade val="15000"/>
+            </a:schemeClr>
+          </a:lnRef>
+          <a:fillRef idx="1">
+            <a:schemeClr val="accent1"/>
+          </a:fillRef>
+          <a:effectRef idx="0">
+            <a:schemeClr val="accent1"/>
+          </a:effectRef>
+          <a:fontRef idx="minor">
+            <a:schemeClr val="lt1"/>
+          </a:fontRef>
+        </p:style>
+        <p:txBody>
+          <a:bodyPr rtlCol="0" anchor="ctr"/>
+          <a:lstStyle/>
+          <a:p>
+            <a:pPr algn="ctr"/>
+            <a:endParaRPr lang="ko-KR" altLang="en-US"/>
+          </a:p>
+        </p:txBody>
+      </p:sp>
+      <p:sp>
+        <p:nvSpPr>
+          <p:cNvPr id="19" name="직사각형 18">
+            <a:extLst>
+              <a:ext uri="{FF2B5EF4-FFF2-40B4-BE49-F238E27FC236}">
+                <a16:creationId xmlns:a16="http://schemas.microsoft.com/office/drawing/2014/main" id="{28B24456-7386-DAB0-5C08-3EF0876BBD1D}"/>
+              </a:ext>
+            </a:extLst>
+          </p:cNvPr>
+          <p:cNvSpPr/>
+          <p:nvPr/>
+        </p:nvSpPr>
+        <p:spPr>
+          <a:xfrm>
+            <a:off x="7675356" y="3993940"/>
+            <a:ext cx="1009650" cy="301291"/>
+          </a:xfrm>
+          <a:prstGeom prst="rect">
+            <a:avLst/>
+          </a:prstGeom>
+        </p:spPr>
+        <p:style>
+          <a:lnRef idx="2">
+            <a:schemeClr val="accent1">
+              <a:shade val="15000"/>
+            </a:schemeClr>
+          </a:lnRef>
+          <a:fillRef idx="1">
+            <a:schemeClr val="accent1"/>
+          </a:fillRef>
+          <a:effectRef idx="0">
+            <a:schemeClr val="accent1"/>
+          </a:effectRef>
+          <a:fontRef idx="minor">
+            <a:schemeClr val="lt1"/>
+          </a:fontRef>
+        </p:style>
+        <p:txBody>
+          <a:bodyPr rtlCol="0" anchor="ctr"/>
+          <a:lstStyle/>
+          <a:p>
+            <a:pPr algn="ctr"/>
+            <a:endParaRPr lang="ko-KR" altLang="en-US"/>
+          </a:p>
+        </p:txBody>
+      </p:sp>
+      <p:sp>
+        <p:nvSpPr>
+          <p:cNvPr id="20" name="직사각형 19">
+            <a:extLst>
+              <a:ext uri="{FF2B5EF4-FFF2-40B4-BE49-F238E27FC236}">
+                <a16:creationId xmlns:a16="http://schemas.microsoft.com/office/drawing/2014/main" id="{1EBA8AB2-3997-9390-C5A6-954D6175C70E}"/>
+              </a:ext>
+            </a:extLst>
+          </p:cNvPr>
+          <p:cNvSpPr/>
+          <p:nvPr/>
+        </p:nvSpPr>
+        <p:spPr>
+          <a:xfrm>
+            <a:off x="7675356" y="4293688"/>
+            <a:ext cx="1009650" cy="301291"/>
+          </a:xfrm>
+          <a:prstGeom prst="rect">
+            <a:avLst/>
+          </a:prstGeom>
+        </p:spPr>
+        <p:style>
+          <a:lnRef idx="2">
+            <a:schemeClr val="accent1">
+              <a:shade val="15000"/>
+            </a:schemeClr>
+          </a:lnRef>
+          <a:fillRef idx="1">
+            <a:schemeClr val="accent1"/>
+          </a:fillRef>
+          <a:effectRef idx="0">
+            <a:schemeClr val="accent1"/>
+          </a:effectRef>
+          <a:fontRef idx="minor">
+            <a:schemeClr val="lt1"/>
+          </a:fontRef>
+        </p:style>
+        <p:txBody>
+          <a:bodyPr rtlCol="0" anchor="ctr"/>
+          <a:lstStyle/>
+          <a:p>
+            <a:pPr algn="ctr"/>
+            <a:endParaRPr lang="ko-KR" altLang="en-US"/>
+          </a:p>
+        </p:txBody>
+      </p:sp>
+      <p:sp>
+        <p:nvSpPr>
+          <p:cNvPr id="21" name="직사각형 20">
+            <a:extLst>
+              <a:ext uri="{FF2B5EF4-FFF2-40B4-BE49-F238E27FC236}">
+                <a16:creationId xmlns:a16="http://schemas.microsoft.com/office/drawing/2014/main" id="{75CD2C11-CF00-EA5F-2953-F962144F75A5}"/>
+              </a:ext>
+            </a:extLst>
+          </p:cNvPr>
+          <p:cNvSpPr/>
+          <p:nvPr/>
+        </p:nvSpPr>
+        <p:spPr>
+          <a:xfrm>
+            <a:off x="7675356" y="4564940"/>
+            <a:ext cx="1009650" cy="301291"/>
+          </a:xfrm>
+          <a:prstGeom prst="rect">
+            <a:avLst/>
+          </a:prstGeom>
+        </p:spPr>
+        <p:style>
+          <a:lnRef idx="2">
+            <a:schemeClr val="accent1">
+              <a:shade val="15000"/>
+            </a:schemeClr>
+          </a:lnRef>
+          <a:fillRef idx="1">
+            <a:schemeClr val="accent1"/>
+          </a:fillRef>
+          <a:effectRef idx="0">
+            <a:schemeClr val="accent1"/>
+          </a:effectRef>
+          <a:fontRef idx="minor">
+            <a:schemeClr val="lt1"/>
+          </a:fontRef>
+        </p:style>
+        <p:txBody>
+          <a:bodyPr rtlCol="0" anchor="ctr"/>
+          <a:lstStyle/>
+          <a:p>
+            <a:pPr algn="ctr"/>
+            <a:endParaRPr lang="ko-KR" altLang="en-US"/>
+          </a:p>
+        </p:txBody>
+      </p:sp>
+      <p:sp>
+        <p:nvSpPr>
+          <p:cNvPr id="22" name="직사각형 21">
+            <a:extLst>
+              <a:ext uri="{FF2B5EF4-FFF2-40B4-BE49-F238E27FC236}">
+                <a16:creationId xmlns:a16="http://schemas.microsoft.com/office/drawing/2014/main" id="{1EE504B5-A543-A4F7-75CE-AC63D30D790E}"/>
+              </a:ext>
+            </a:extLst>
+          </p:cNvPr>
+          <p:cNvSpPr/>
+          <p:nvPr/>
+        </p:nvSpPr>
+        <p:spPr>
+          <a:xfrm>
+            <a:off x="7675356" y="4884117"/>
+            <a:ext cx="1009650" cy="301291"/>
+          </a:xfrm>
+          <a:prstGeom prst="rect">
+            <a:avLst/>
+          </a:prstGeom>
+        </p:spPr>
+        <p:style>
+          <a:lnRef idx="2">
+            <a:schemeClr val="accent1">
+              <a:shade val="15000"/>
+            </a:schemeClr>
+          </a:lnRef>
+          <a:fillRef idx="1">
+            <a:schemeClr val="accent1"/>
+          </a:fillRef>
+          <a:effectRef idx="0">
+            <a:schemeClr val="accent1"/>
+          </a:effectRef>
+          <a:fontRef idx="minor">
+            <a:schemeClr val="lt1"/>
+          </a:fontRef>
+        </p:style>
+        <p:txBody>
+          <a:bodyPr rtlCol="0" anchor="ctr"/>
+          <a:lstStyle/>
+          <a:p>
+            <a:pPr algn="ctr"/>
+            <a:endParaRPr lang="ko-KR" altLang="en-US"/>
+          </a:p>
+        </p:txBody>
+      </p:sp>
+      <p:sp>
+        <p:nvSpPr>
+          <p:cNvPr id="23" name="직사각형 22">
+            <a:extLst>
+              <a:ext uri="{FF2B5EF4-FFF2-40B4-BE49-F238E27FC236}">
+                <a16:creationId xmlns:a16="http://schemas.microsoft.com/office/drawing/2014/main" id="{9D382C39-2D91-B499-5EEB-F61653EF008D}"/>
+              </a:ext>
+            </a:extLst>
+          </p:cNvPr>
+          <p:cNvSpPr/>
+          <p:nvPr/>
+        </p:nvSpPr>
+        <p:spPr>
+          <a:xfrm>
+            <a:off x="7675356" y="5162166"/>
+            <a:ext cx="1009650" cy="301291"/>
+          </a:xfrm>
+          <a:prstGeom prst="rect">
+            <a:avLst/>
+          </a:prstGeom>
+          <a:solidFill>
+            <a:srgbClr val="9B94C8"/>
+          </a:solidFill>
+        </p:spPr>
+        <p:style>
+          <a:lnRef idx="2">
+            <a:schemeClr val="accent1">
+              <a:shade val="15000"/>
+            </a:schemeClr>
+          </a:lnRef>
+          <a:fillRef idx="1">
+            <a:schemeClr val="accent1"/>
+          </a:fillRef>
+          <a:effectRef idx="0">
+            <a:schemeClr val="accent1"/>
+          </a:effectRef>
+          <a:fontRef idx="minor">
+            <a:schemeClr val="lt1"/>
+          </a:fontRef>
+        </p:style>
+        <p:txBody>
+          <a:bodyPr rtlCol="0" anchor="ctr"/>
+          <a:lstStyle/>
+          <a:p>
+            <a:pPr algn="ctr"/>
+            <a:endParaRPr lang="ko-KR" altLang="en-US"/>
+          </a:p>
+        </p:txBody>
+      </p:sp>
+      <p:sp>
+        <p:nvSpPr>
+          <p:cNvPr id="24" name="직사각형 23">
+            <a:extLst>
+              <a:ext uri="{FF2B5EF4-FFF2-40B4-BE49-F238E27FC236}">
+                <a16:creationId xmlns:a16="http://schemas.microsoft.com/office/drawing/2014/main" id="{B538CBF7-A46B-EEC3-599F-D587D75EFA25}"/>
+              </a:ext>
+            </a:extLst>
+          </p:cNvPr>
+          <p:cNvSpPr/>
+          <p:nvPr/>
+        </p:nvSpPr>
+        <p:spPr>
+          <a:xfrm>
+            <a:off x="7675356" y="5473306"/>
+            <a:ext cx="1009650" cy="301291"/>
+          </a:xfrm>
+          <a:prstGeom prst="rect">
+            <a:avLst/>
+          </a:prstGeom>
+        </p:spPr>
+        <p:style>
+          <a:lnRef idx="2">
+            <a:schemeClr val="accent1">
+              <a:shade val="15000"/>
+            </a:schemeClr>
+          </a:lnRef>
+          <a:fillRef idx="1">
+            <a:schemeClr val="accent1"/>
+          </a:fillRef>
+          <a:effectRef idx="0">
+            <a:schemeClr val="accent1"/>
+          </a:effectRef>
+          <a:fontRef idx="minor">
+            <a:schemeClr val="lt1"/>
+          </a:fontRef>
+        </p:style>
+        <p:txBody>
+          <a:bodyPr rtlCol="0" anchor="ctr"/>
+          <a:lstStyle/>
+          <a:p>
+            <a:pPr algn="ctr"/>
+            <a:endParaRPr lang="ko-KR" altLang="en-US"/>
+          </a:p>
+        </p:txBody>
+      </p:sp>
+      <p:sp>
+        <p:nvSpPr>
+          <p:cNvPr id="25" name="직사각형 24">
+            <a:extLst>
+              <a:ext uri="{FF2B5EF4-FFF2-40B4-BE49-F238E27FC236}">
+                <a16:creationId xmlns:a16="http://schemas.microsoft.com/office/drawing/2014/main" id="{D7DB35C4-A4AB-2C54-03A2-EE5C89EC31EE}"/>
+              </a:ext>
+            </a:extLst>
+          </p:cNvPr>
+          <p:cNvSpPr/>
+          <p:nvPr/>
+        </p:nvSpPr>
+        <p:spPr>
+          <a:xfrm>
+            <a:off x="7675356" y="5774597"/>
+            <a:ext cx="1009650" cy="301291"/>
+          </a:xfrm>
+          <a:prstGeom prst="rect">
+            <a:avLst/>
+          </a:prstGeom>
+        </p:spPr>
+        <p:style>
+          <a:lnRef idx="2">
+            <a:schemeClr val="accent1">
+              <a:shade val="15000"/>
+            </a:schemeClr>
+          </a:lnRef>
+          <a:fillRef idx="1">
+            <a:schemeClr val="accent1"/>
+          </a:fillRef>
+          <a:effectRef idx="0">
+            <a:schemeClr val="accent1"/>
+          </a:effectRef>
+          <a:fontRef idx="minor">
+            <a:schemeClr val="lt1"/>
+          </a:fontRef>
+        </p:style>
+        <p:txBody>
+          <a:bodyPr rtlCol="0" anchor="ctr"/>
+          <a:lstStyle/>
+          <a:p>
+            <a:pPr algn="ctr"/>
+            <a:endParaRPr lang="ko-KR" altLang="en-US"/>
+          </a:p>
+        </p:txBody>
+      </p:sp>
+      <p:sp>
+        <p:nvSpPr>
+          <p:cNvPr id="26" name="직사각형 25">
+            <a:extLst>
+              <a:ext uri="{FF2B5EF4-FFF2-40B4-BE49-F238E27FC236}">
+                <a16:creationId xmlns:a16="http://schemas.microsoft.com/office/drawing/2014/main" id="{E70A7B92-6E15-E0EE-8BBA-08E488FB3749}"/>
+              </a:ext>
+            </a:extLst>
+          </p:cNvPr>
+          <p:cNvSpPr/>
+          <p:nvPr/>
+        </p:nvSpPr>
+        <p:spPr>
+          <a:xfrm>
+            <a:off x="7675356" y="6075888"/>
+            <a:ext cx="1009650" cy="301291"/>
+          </a:xfrm>
+          <a:prstGeom prst="rect">
+            <a:avLst/>
+          </a:prstGeom>
+        </p:spPr>
+        <p:style>
+          <a:lnRef idx="2">
+            <a:schemeClr val="accent1">
+              <a:shade val="15000"/>
+            </a:schemeClr>
+          </a:lnRef>
+          <a:fillRef idx="1">
+            <a:schemeClr val="accent1"/>
+          </a:fillRef>
+          <a:effectRef idx="0">
+            <a:schemeClr val="accent1"/>
+          </a:effectRef>
+          <a:fontRef idx="minor">
+            <a:schemeClr val="lt1"/>
+          </a:fontRef>
+        </p:style>
+        <p:txBody>
+          <a:bodyPr rtlCol="0" anchor="ctr"/>
+          <a:lstStyle/>
+          <a:p>
+            <a:pPr algn="ctr"/>
+            <a:endParaRPr lang="ko-KR" altLang="en-US"/>
+          </a:p>
+        </p:txBody>
+      </p:sp>
+      <p:sp>
+        <p:nvSpPr>
+          <p:cNvPr id="27" name="직사각형 26">
+            <a:extLst>
+              <a:ext uri="{FF2B5EF4-FFF2-40B4-BE49-F238E27FC236}">
+                <a16:creationId xmlns:a16="http://schemas.microsoft.com/office/drawing/2014/main" id="{099DFF0F-4EB6-CEE9-3488-F60EE86361E3}"/>
+              </a:ext>
+            </a:extLst>
+          </p:cNvPr>
+          <p:cNvSpPr/>
+          <p:nvPr/>
+        </p:nvSpPr>
+        <p:spPr>
+          <a:xfrm>
+            <a:off x="10467474" y="428624"/>
+            <a:ext cx="914400" cy="914400"/>
+          </a:xfrm>
+          <a:prstGeom prst="rect">
+            <a:avLst/>
+          </a:prstGeom>
+        </p:spPr>
+        <p:style>
+          <a:lnRef idx="2">
+            <a:schemeClr val="accent1">
+              <a:shade val="15000"/>
+            </a:schemeClr>
+          </a:lnRef>
+          <a:fillRef idx="1">
+            <a:schemeClr val="accent1"/>
+          </a:fillRef>
+          <a:effectRef idx="0">
+            <a:schemeClr val="accent1"/>
+          </a:effectRef>
+          <a:fontRef idx="minor">
+            <a:schemeClr val="lt1"/>
+          </a:fontRef>
+        </p:style>
+        <p:txBody>
+          <a:bodyPr rtlCol="0" anchor="ctr"/>
+          <a:lstStyle/>
+          <a:p>
+            <a:pPr algn="ctr"/>
+            <a:r>
+              <a:rPr lang="en-US" altLang="ko-KR" dirty="0"/>
+              <a:t>20</a:t>
+            </a:r>
+            <a:r>
+              <a:rPr lang="ko-KR" altLang="en-US" dirty="0"/>
+              <a:t>개</a:t>
+            </a:r>
+            <a:endParaRPr lang="en-US" altLang="ko-KR" dirty="0"/>
+          </a:p>
+          <a:p>
+            <a:pPr algn="ctr"/>
+            <a:r>
+              <a:rPr lang="en-US" altLang="ko-KR" dirty="0"/>
+              <a:t>11</a:t>
+            </a:r>
+            <a:endParaRPr lang="ko-KR" altLang="en-US" dirty="0"/>
+          </a:p>
+        </p:txBody>
+      </p:sp>
+      <p:pic>
+        <p:nvPicPr>
+          <p:cNvPr id="7" name="그림 6">
+            <a:extLst>
+              <a:ext uri="{FF2B5EF4-FFF2-40B4-BE49-F238E27FC236}">
+                <a16:creationId xmlns:a16="http://schemas.microsoft.com/office/drawing/2014/main" id="{EFE49D49-FD80-3987-5BD9-87463DEF4A96}"/>
+              </a:ext>
+            </a:extLst>
+          </p:cNvPr>
+          <p:cNvPicPr>
+            <a:picLocks noChangeAspect="1"/>
+          </p:cNvPicPr>
+          <p:nvPr/>
+        </p:nvPicPr>
+        <p:blipFill>
+          <a:blip r:embed="rId2"/>
+          <a:stretch>
+            <a:fillRect/>
+          </a:stretch>
+        </p:blipFill>
+        <p:spPr>
+          <a:xfrm>
+            <a:off x="4259645" y="0"/>
+            <a:ext cx="3416109" cy="6858000"/>
+          </a:xfrm>
+          <a:prstGeom prst="rect">
+            <a:avLst/>
+          </a:prstGeom>
+        </p:spPr>
+      </p:pic>
+    </p:spTree>
+    <p:extLst>
+      <p:ext uri="{BB962C8B-B14F-4D97-AF65-F5344CB8AC3E}">
+        <p14:creationId xmlns:p14="http://schemas.microsoft.com/office/powerpoint/2010/main" val="3743642920"/>
+      </p:ext>
+    </p:extLst>
+  </p:cSld>
+  <p:clrMapOvr>
+    <a:masterClrMapping/>
+  </p:clrMapOvr>
+</p:sld>
+</file>
+
 <file path=ppt/theme/theme1.xml><?xml version="1.0" encoding="utf-8"?>
 <a:theme xmlns:a="http://schemas.openxmlformats.org/drawingml/2006/main" name="Office 테마">
   <a:themeElements>

--- a/plan/비율.pptx
+++ b/plan/비율.pptx
@@ -7,6 +7,7 @@
   <p:sldIdLst>
     <p:sldId id="256" r:id="rId2"/>
     <p:sldId id="257" r:id="rId3"/>
+    <p:sldId id="258" r:id="rId4"/>
   </p:sldIdLst>
   <p:sldSz cx="12192000" cy="6858000"/>
   <p:notesSz cx="6858000" cy="9144000"/>
@@ -4386,6 +4387,36 @@
           </a:p>
         </p:txBody>
       </p:sp>
+      <p:pic>
+        <p:nvPicPr>
+          <p:cNvPr id="7" name="그림 6">
+            <a:extLst>
+              <a:ext uri="{FF2B5EF4-FFF2-40B4-BE49-F238E27FC236}">
+                <a16:creationId xmlns:a16="http://schemas.microsoft.com/office/drawing/2014/main" id="{BE4750DC-E505-6335-D86D-73BE184C0434}"/>
+              </a:ext>
+            </a:extLst>
+          </p:cNvPr>
+          <p:cNvPicPr>
+            <a:picLocks noChangeAspect="1"/>
+          </p:cNvPicPr>
+          <p:nvPr/>
+        </p:nvPicPr>
+        <p:blipFill>
+          <a:blip r:embed="rId3"/>
+          <a:stretch>
+            <a:fillRect/>
+          </a:stretch>
+        </p:blipFill>
+        <p:spPr>
+          <a:xfrm>
+            <a:off x="4852814" y="1104575"/>
+            <a:ext cx="2486372" cy="4648849"/>
+          </a:xfrm>
+          <a:prstGeom prst="rect">
+            <a:avLst/>
+          </a:prstGeom>
+        </p:spPr>
+      </p:pic>
     </p:spTree>
     <p:extLst>
       <p:ext uri="{BB962C8B-B14F-4D97-AF65-F5344CB8AC3E}">
@@ -5488,6 +5519,1256 @@
     <p:extLst>
       <p:ext uri="{BB962C8B-B14F-4D97-AF65-F5344CB8AC3E}">
         <p14:creationId xmlns:p14="http://schemas.microsoft.com/office/powerpoint/2010/main" val="3743642920"/>
+      </p:ext>
+    </p:extLst>
+  </p:cSld>
+  <p:clrMapOvr>
+    <a:masterClrMapping/>
+  </p:clrMapOvr>
+</p:sld>
+</file>
+
+<file path=ppt/slides/slide3.xml><?xml version="1.0" encoding="utf-8"?>
+<p:sld xmlns:a="http://schemas.openxmlformats.org/drawingml/2006/main" xmlns:r="http://schemas.openxmlformats.org/officeDocument/2006/relationships" xmlns:p="http://schemas.openxmlformats.org/presentationml/2006/main">
+  <p:cSld>
+    <p:spTree>
+      <p:nvGrpSpPr>
+        <p:cNvPr id="1" name=""/>
+        <p:cNvGrpSpPr/>
+        <p:nvPr/>
+      </p:nvGrpSpPr>
+      <p:grpSpPr>
+        <a:xfrm>
+          <a:off x="0" y="0"/>
+          <a:ext cx="0" cy="0"/>
+          <a:chOff x="0" y="0"/>
+          <a:chExt cx="0" cy="0"/>
+        </a:xfrm>
+      </p:grpSpPr>
+      <p:sp>
+        <p:nvSpPr>
+          <p:cNvPr id="3" name="부제목 2">
+            <a:extLst>
+              <a:ext uri="{FF2B5EF4-FFF2-40B4-BE49-F238E27FC236}">
+                <a16:creationId xmlns:a16="http://schemas.microsoft.com/office/drawing/2014/main" id="{561C0933-BBC2-1E05-3AE9-A2E2C8AB770E}"/>
+              </a:ext>
+            </a:extLst>
+          </p:cNvPr>
+          <p:cNvSpPr>
+            <a:spLocks noGrp="1"/>
+          </p:cNvSpPr>
+          <p:nvPr>
+            <p:ph type="subTitle" idx="1"/>
+          </p:nvPr>
+        </p:nvSpPr>
+        <p:spPr/>
+        <p:txBody>
+          <a:bodyPr/>
+          <a:lstStyle/>
+          <a:p>
+            <a:endParaRPr lang="ko-KR" altLang="en-US"/>
+          </a:p>
+        </p:txBody>
+      </p:sp>
+      <p:sp>
+        <p:nvSpPr>
+          <p:cNvPr id="6" name="직사각형 5">
+            <a:extLst>
+              <a:ext uri="{FF2B5EF4-FFF2-40B4-BE49-F238E27FC236}">
+                <a16:creationId xmlns:a16="http://schemas.microsoft.com/office/drawing/2014/main" id="{116AED42-C64C-54C3-9F48-6AA68A1DD5BF}"/>
+              </a:ext>
+            </a:extLst>
+          </p:cNvPr>
+          <p:cNvSpPr/>
+          <p:nvPr/>
+        </p:nvSpPr>
+        <p:spPr>
+          <a:xfrm>
+            <a:off x="7675356" y="428624"/>
+            <a:ext cx="1009650" cy="301291"/>
+          </a:xfrm>
+          <a:prstGeom prst="rect">
+            <a:avLst/>
+          </a:prstGeom>
+        </p:spPr>
+        <p:style>
+          <a:lnRef idx="2">
+            <a:schemeClr val="accent1">
+              <a:shade val="15000"/>
+            </a:schemeClr>
+          </a:lnRef>
+          <a:fillRef idx="1">
+            <a:schemeClr val="accent1"/>
+          </a:fillRef>
+          <a:effectRef idx="0">
+            <a:schemeClr val="accent1"/>
+          </a:effectRef>
+          <a:fontRef idx="minor">
+            <a:schemeClr val="lt1"/>
+          </a:fontRef>
+        </p:style>
+        <p:txBody>
+          <a:bodyPr rtlCol="0" anchor="ctr"/>
+          <a:lstStyle/>
+          <a:p>
+            <a:pPr algn="ctr"/>
+            <a:endParaRPr lang="ko-KR" altLang="en-US"/>
+          </a:p>
+        </p:txBody>
+      </p:sp>
+      <p:sp>
+        <p:nvSpPr>
+          <p:cNvPr id="8" name="직사각형 7">
+            <a:extLst>
+              <a:ext uri="{FF2B5EF4-FFF2-40B4-BE49-F238E27FC236}">
+                <a16:creationId xmlns:a16="http://schemas.microsoft.com/office/drawing/2014/main" id="{8A054059-C099-D3DF-828E-DA78B4133317}"/>
+              </a:ext>
+            </a:extLst>
+          </p:cNvPr>
+          <p:cNvSpPr/>
+          <p:nvPr/>
+        </p:nvSpPr>
+        <p:spPr>
+          <a:xfrm>
+            <a:off x="7675356" y="729915"/>
+            <a:ext cx="1009650" cy="301291"/>
+          </a:xfrm>
+          <a:prstGeom prst="rect">
+            <a:avLst/>
+          </a:prstGeom>
+        </p:spPr>
+        <p:style>
+          <a:lnRef idx="2">
+            <a:schemeClr val="accent1">
+              <a:shade val="15000"/>
+            </a:schemeClr>
+          </a:lnRef>
+          <a:fillRef idx="1">
+            <a:schemeClr val="accent1"/>
+          </a:fillRef>
+          <a:effectRef idx="0">
+            <a:schemeClr val="accent1"/>
+          </a:effectRef>
+          <a:fontRef idx="minor">
+            <a:schemeClr val="lt1"/>
+          </a:fontRef>
+        </p:style>
+        <p:txBody>
+          <a:bodyPr rtlCol="0" anchor="ctr"/>
+          <a:lstStyle/>
+          <a:p>
+            <a:pPr algn="ctr"/>
+            <a:endParaRPr lang="ko-KR" altLang="en-US"/>
+          </a:p>
+        </p:txBody>
+      </p:sp>
+      <p:sp>
+        <p:nvSpPr>
+          <p:cNvPr id="9" name="직사각형 8">
+            <a:extLst>
+              <a:ext uri="{FF2B5EF4-FFF2-40B4-BE49-F238E27FC236}">
+                <a16:creationId xmlns:a16="http://schemas.microsoft.com/office/drawing/2014/main" id="{1BD71624-426F-26CA-00EF-B24959EF7DEB}"/>
+              </a:ext>
+            </a:extLst>
+          </p:cNvPr>
+          <p:cNvSpPr/>
+          <p:nvPr/>
+        </p:nvSpPr>
+        <p:spPr>
+          <a:xfrm>
+            <a:off x="7675356" y="1045492"/>
+            <a:ext cx="1009650" cy="301291"/>
+          </a:xfrm>
+          <a:prstGeom prst="rect">
+            <a:avLst/>
+          </a:prstGeom>
+        </p:spPr>
+        <p:style>
+          <a:lnRef idx="2">
+            <a:schemeClr val="accent1">
+              <a:shade val="15000"/>
+            </a:schemeClr>
+          </a:lnRef>
+          <a:fillRef idx="1">
+            <a:schemeClr val="accent1"/>
+          </a:fillRef>
+          <a:effectRef idx="0">
+            <a:schemeClr val="accent1"/>
+          </a:effectRef>
+          <a:fontRef idx="minor">
+            <a:schemeClr val="lt1"/>
+          </a:fontRef>
+        </p:style>
+        <p:txBody>
+          <a:bodyPr rtlCol="0" anchor="ctr"/>
+          <a:lstStyle/>
+          <a:p>
+            <a:pPr algn="ctr"/>
+            <a:endParaRPr lang="ko-KR" altLang="en-US"/>
+          </a:p>
+        </p:txBody>
+      </p:sp>
+      <p:sp>
+        <p:nvSpPr>
+          <p:cNvPr id="10" name="직사각형 9">
+            <a:extLst>
+              <a:ext uri="{FF2B5EF4-FFF2-40B4-BE49-F238E27FC236}">
+                <a16:creationId xmlns:a16="http://schemas.microsoft.com/office/drawing/2014/main" id="{3D4F4495-4BB2-EE13-5BC9-E803A24F83A3}"/>
+              </a:ext>
+            </a:extLst>
+          </p:cNvPr>
+          <p:cNvSpPr/>
+          <p:nvPr/>
+        </p:nvSpPr>
+        <p:spPr>
+          <a:xfrm>
+            <a:off x="7675356" y="1332497"/>
+            <a:ext cx="1009650" cy="301291"/>
+          </a:xfrm>
+          <a:prstGeom prst="rect">
+            <a:avLst/>
+          </a:prstGeom>
+        </p:spPr>
+        <p:style>
+          <a:lnRef idx="2">
+            <a:schemeClr val="accent1">
+              <a:shade val="15000"/>
+            </a:schemeClr>
+          </a:lnRef>
+          <a:fillRef idx="1">
+            <a:schemeClr val="accent1"/>
+          </a:fillRef>
+          <a:effectRef idx="0">
+            <a:schemeClr val="accent1"/>
+          </a:effectRef>
+          <a:fontRef idx="minor">
+            <a:schemeClr val="lt1"/>
+          </a:fontRef>
+        </p:style>
+        <p:txBody>
+          <a:bodyPr rtlCol="0" anchor="ctr"/>
+          <a:lstStyle/>
+          <a:p>
+            <a:pPr algn="ctr"/>
+            <a:endParaRPr lang="ko-KR" altLang="en-US"/>
+          </a:p>
+        </p:txBody>
+      </p:sp>
+      <p:sp>
+        <p:nvSpPr>
+          <p:cNvPr id="11" name="직사각형 10">
+            <a:extLst>
+              <a:ext uri="{FF2B5EF4-FFF2-40B4-BE49-F238E27FC236}">
+                <a16:creationId xmlns:a16="http://schemas.microsoft.com/office/drawing/2014/main" id="{27B43151-027A-E304-1D78-25F3F313BE99}"/>
+              </a:ext>
+            </a:extLst>
+          </p:cNvPr>
+          <p:cNvSpPr/>
+          <p:nvPr/>
+        </p:nvSpPr>
+        <p:spPr>
+          <a:xfrm>
+            <a:off x="7675356" y="1633788"/>
+            <a:ext cx="1009650" cy="301291"/>
+          </a:xfrm>
+          <a:prstGeom prst="rect">
+            <a:avLst/>
+          </a:prstGeom>
+        </p:spPr>
+        <p:style>
+          <a:lnRef idx="2">
+            <a:schemeClr val="accent1">
+              <a:shade val="15000"/>
+            </a:schemeClr>
+          </a:lnRef>
+          <a:fillRef idx="1">
+            <a:schemeClr val="accent1"/>
+          </a:fillRef>
+          <a:effectRef idx="0">
+            <a:schemeClr val="accent1"/>
+          </a:effectRef>
+          <a:fontRef idx="minor">
+            <a:schemeClr val="lt1"/>
+          </a:fontRef>
+        </p:style>
+        <p:txBody>
+          <a:bodyPr rtlCol="0" anchor="ctr"/>
+          <a:lstStyle/>
+          <a:p>
+            <a:pPr algn="ctr"/>
+            <a:endParaRPr lang="ko-KR" altLang="en-US"/>
+          </a:p>
+        </p:txBody>
+      </p:sp>
+      <p:sp>
+        <p:nvSpPr>
+          <p:cNvPr id="12" name="직사각형 11">
+            <a:extLst>
+              <a:ext uri="{FF2B5EF4-FFF2-40B4-BE49-F238E27FC236}">
+                <a16:creationId xmlns:a16="http://schemas.microsoft.com/office/drawing/2014/main" id="{942267DA-271F-38E9-F816-012AADF8E9E6}"/>
+              </a:ext>
+            </a:extLst>
+          </p:cNvPr>
+          <p:cNvSpPr/>
+          <p:nvPr/>
+        </p:nvSpPr>
+        <p:spPr>
+          <a:xfrm>
+            <a:off x="7675356" y="1935079"/>
+            <a:ext cx="1009650" cy="301291"/>
+          </a:xfrm>
+          <a:prstGeom prst="rect">
+            <a:avLst/>
+          </a:prstGeom>
+        </p:spPr>
+        <p:style>
+          <a:lnRef idx="2">
+            <a:schemeClr val="accent1">
+              <a:shade val="15000"/>
+            </a:schemeClr>
+          </a:lnRef>
+          <a:fillRef idx="1">
+            <a:schemeClr val="accent1"/>
+          </a:fillRef>
+          <a:effectRef idx="0">
+            <a:schemeClr val="accent1"/>
+          </a:effectRef>
+          <a:fontRef idx="minor">
+            <a:schemeClr val="lt1"/>
+          </a:fontRef>
+        </p:style>
+        <p:txBody>
+          <a:bodyPr rtlCol="0" anchor="ctr"/>
+          <a:lstStyle/>
+          <a:p>
+            <a:pPr algn="ctr"/>
+            <a:endParaRPr lang="ko-KR" altLang="en-US"/>
+          </a:p>
+        </p:txBody>
+      </p:sp>
+      <p:sp>
+        <p:nvSpPr>
+          <p:cNvPr id="13" name="직사각형 12">
+            <a:extLst>
+              <a:ext uri="{FF2B5EF4-FFF2-40B4-BE49-F238E27FC236}">
+                <a16:creationId xmlns:a16="http://schemas.microsoft.com/office/drawing/2014/main" id="{C6CE2AB7-3F16-AE7E-926A-AC08D6C001A6}"/>
+              </a:ext>
+            </a:extLst>
+          </p:cNvPr>
+          <p:cNvSpPr/>
+          <p:nvPr/>
+        </p:nvSpPr>
+        <p:spPr>
+          <a:xfrm>
+            <a:off x="7675356" y="2251407"/>
+            <a:ext cx="1009650" cy="301291"/>
+          </a:xfrm>
+          <a:prstGeom prst="rect">
+            <a:avLst/>
+          </a:prstGeom>
+        </p:spPr>
+        <p:style>
+          <a:lnRef idx="2">
+            <a:schemeClr val="accent1">
+              <a:shade val="15000"/>
+            </a:schemeClr>
+          </a:lnRef>
+          <a:fillRef idx="1">
+            <a:schemeClr val="accent1"/>
+          </a:fillRef>
+          <a:effectRef idx="0">
+            <a:schemeClr val="accent1"/>
+          </a:effectRef>
+          <a:fontRef idx="minor">
+            <a:schemeClr val="lt1"/>
+          </a:fontRef>
+        </p:style>
+        <p:txBody>
+          <a:bodyPr rtlCol="0" anchor="ctr"/>
+          <a:lstStyle/>
+          <a:p>
+            <a:pPr algn="ctr"/>
+            <a:endParaRPr lang="ko-KR" altLang="en-US"/>
+          </a:p>
+        </p:txBody>
+      </p:sp>
+      <p:sp>
+        <p:nvSpPr>
+          <p:cNvPr id="14" name="직사각형 13">
+            <a:extLst>
+              <a:ext uri="{FF2B5EF4-FFF2-40B4-BE49-F238E27FC236}">
+                <a16:creationId xmlns:a16="http://schemas.microsoft.com/office/drawing/2014/main" id="{4FF12758-2F9E-95C1-962D-8366A45CF745}"/>
+              </a:ext>
+            </a:extLst>
+          </p:cNvPr>
+          <p:cNvSpPr/>
+          <p:nvPr/>
+        </p:nvSpPr>
+        <p:spPr>
+          <a:xfrm>
+            <a:off x="7675356" y="2573754"/>
+            <a:ext cx="1009650" cy="301291"/>
+          </a:xfrm>
+          <a:prstGeom prst="rect">
+            <a:avLst/>
+          </a:prstGeom>
+          <a:solidFill>
+            <a:srgbClr val="DADDFC"/>
+          </a:solidFill>
+        </p:spPr>
+        <p:style>
+          <a:lnRef idx="2">
+            <a:schemeClr val="accent1">
+              <a:shade val="15000"/>
+            </a:schemeClr>
+          </a:lnRef>
+          <a:fillRef idx="1">
+            <a:schemeClr val="accent1"/>
+          </a:fillRef>
+          <a:effectRef idx="0">
+            <a:schemeClr val="accent1"/>
+          </a:effectRef>
+          <a:fontRef idx="minor">
+            <a:schemeClr val="lt1"/>
+          </a:fontRef>
+        </p:style>
+        <p:txBody>
+          <a:bodyPr rtlCol="0" anchor="ctr"/>
+          <a:lstStyle/>
+          <a:p>
+            <a:pPr algn="ctr"/>
+            <a:endParaRPr lang="ko-KR" altLang="en-US"/>
+          </a:p>
+        </p:txBody>
+      </p:sp>
+      <p:sp>
+        <p:nvSpPr>
+          <p:cNvPr id="15" name="직사각형 14">
+            <a:extLst>
+              <a:ext uri="{FF2B5EF4-FFF2-40B4-BE49-F238E27FC236}">
+                <a16:creationId xmlns:a16="http://schemas.microsoft.com/office/drawing/2014/main" id="{0F004A01-9A08-1FED-1486-9FA5F4751267}"/>
+              </a:ext>
+            </a:extLst>
+          </p:cNvPr>
+          <p:cNvSpPr/>
+          <p:nvPr/>
+        </p:nvSpPr>
+        <p:spPr>
+          <a:xfrm>
+            <a:off x="7675356" y="2875045"/>
+            <a:ext cx="1009650" cy="301291"/>
+          </a:xfrm>
+          <a:prstGeom prst="rect">
+            <a:avLst/>
+          </a:prstGeom>
+          <a:solidFill>
+            <a:srgbClr val="D8D8D8"/>
+          </a:solidFill>
+        </p:spPr>
+        <p:style>
+          <a:lnRef idx="2">
+            <a:schemeClr val="accent1">
+              <a:shade val="15000"/>
+            </a:schemeClr>
+          </a:lnRef>
+          <a:fillRef idx="1">
+            <a:schemeClr val="accent1"/>
+          </a:fillRef>
+          <a:effectRef idx="0">
+            <a:schemeClr val="accent1"/>
+          </a:effectRef>
+          <a:fontRef idx="minor">
+            <a:schemeClr val="lt1"/>
+          </a:fontRef>
+        </p:style>
+        <p:txBody>
+          <a:bodyPr rtlCol="0" anchor="ctr"/>
+          <a:lstStyle/>
+          <a:p>
+            <a:pPr algn="ctr"/>
+            <a:endParaRPr lang="ko-KR" altLang="en-US"/>
+          </a:p>
+        </p:txBody>
+      </p:sp>
+      <p:sp>
+        <p:nvSpPr>
+          <p:cNvPr id="16" name="직사각형 15">
+            <a:extLst>
+              <a:ext uri="{FF2B5EF4-FFF2-40B4-BE49-F238E27FC236}">
+                <a16:creationId xmlns:a16="http://schemas.microsoft.com/office/drawing/2014/main" id="{25A6B4F0-5653-0487-5462-A37B38AFF455}"/>
+              </a:ext>
+            </a:extLst>
+          </p:cNvPr>
+          <p:cNvSpPr/>
+          <p:nvPr/>
+        </p:nvSpPr>
+        <p:spPr>
+          <a:xfrm>
+            <a:off x="7675356" y="3194131"/>
+            <a:ext cx="1009650" cy="301291"/>
+          </a:xfrm>
+          <a:prstGeom prst="rect">
+            <a:avLst/>
+          </a:prstGeom>
+        </p:spPr>
+        <p:style>
+          <a:lnRef idx="2">
+            <a:schemeClr val="accent1">
+              <a:shade val="15000"/>
+            </a:schemeClr>
+          </a:lnRef>
+          <a:fillRef idx="1">
+            <a:schemeClr val="accent1"/>
+          </a:fillRef>
+          <a:effectRef idx="0">
+            <a:schemeClr val="accent1"/>
+          </a:effectRef>
+          <a:fontRef idx="minor">
+            <a:schemeClr val="lt1"/>
+          </a:fontRef>
+        </p:style>
+        <p:txBody>
+          <a:bodyPr rtlCol="0" anchor="ctr"/>
+          <a:lstStyle/>
+          <a:p>
+            <a:pPr algn="ctr"/>
+            <a:endParaRPr lang="ko-KR" altLang="en-US"/>
+          </a:p>
+        </p:txBody>
+      </p:sp>
+      <p:sp>
+        <p:nvSpPr>
+          <p:cNvPr id="17" name="직사각형 16">
+            <a:extLst>
+              <a:ext uri="{FF2B5EF4-FFF2-40B4-BE49-F238E27FC236}">
+                <a16:creationId xmlns:a16="http://schemas.microsoft.com/office/drawing/2014/main" id="{3B284027-C6D1-48B8-2822-D19A7A8B3ACB}"/>
+              </a:ext>
+            </a:extLst>
+          </p:cNvPr>
+          <p:cNvSpPr/>
+          <p:nvPr/>
+        </p:nvSpPr>
+        <p:spPr>
+          <a:xfrm>
+            <a:off x="7675356" y="3493838"/>
+            <a:ext cx="1009650" cy="301291"/>
+          </a:xfrm>
+          <a:prstGeom prst="rect">
+            <a:avLst/>
+          </a:prstGeom>
+        </p:spPr>
+        <p:style>
+          <a:lnRef idx="2">
+            <a:schemeClr val="accent1">
+              <a:shade val="15000"/>
+            </a:schemeClr>
+          </a:lnRef>
+          <a:fillRef idx="1">
+            <a:schemeClr val="accent1"/>
+          </a:fillRef>
+          <a:effectRef idx="0">
+            <a:schemeClr val="accent1"/>
+          </a:effectRef>
+          <a:fontRef idx="minor">
+            <a:schemeClr val="lt1"/>
+          </a:fontRef>
+        </p:style>
+        <p:txBody>
+          <a:bodyPr rtlCol="0" anchor="ctr"/>
+          <a:lstStyle/>
+          <a:p>
+            <a:pPr algn="ctr"/>
+            <a:endParaRPr lang="ko-KR" altLang="en-US"/>
+          </a:p>
+        </p:txBody>
+      </p:sp>
+      <p:sp>
+        <p:nvSpPr>
+          <p:cNvPr id="18" name="직사각형 17">
+            <a:extLst>
+              <a:ext uri="{FF2B5EF4-FFF2-40B4-BE49-F238E27FC236}">
+                <a16:creationId xmlns:a16="http://schemas.microsoft.com/office/drawing/2014/main" id="{0FFCBDE3-E05E-8D89-85A1-BD202D2911CB}"/>
+              </a:ext>
+            </a:extLst>
+          </p:cNvPr>
+          <p:cNvSpPr/>
+          <p:nvPr/>
+        </p:nvSpPr>
+        <p:spPr>
+          <a:xfrm>
+            <a:off x="7675356" y="3795129"/>
+            <a:ext cx="1009650" cy="301291"/>
+          </a:xfrm>
+          <a:prstGeom prst="rect">
+            <a:avLst/>
+          </a:prstGeom>
+        </p:spPr>
+        <p:style>
+          <a:lnRef idx="2">
+            <a:schemeClr val="accent1">
+              <a:shade val="15000"/>
+            </a:schemeClr>
+          </a:lnRef>
+          <a:fillRef idx="1">
+            <a:schemeClr val="accent1"/>
+          </a:fillRef>
+          <a:effectRef idx="0">
+            <a:schemeClr val="accent1"/>
+          </a:effectRef>
+          <a:fontRef idx="minor">
+            <a:schemeClr val="lt1"/>
+          </a:fontRef>
+        </p:style>
+        <p:txBody>
+          <a:bodyPr rtlCol="0" anchor="ctr"/>
+          <a:lstStyle/>
+          <a:p>
+            <a:pPr algn="ctr"/>
+            <a:endParaRPr lang="ko-KR" altLang="en-US"/>
+          </a:p>
+        </p:txBody>
+      </p:sp>
+      <p:sp>
+        <p:nvSpPr>
+          <p:cNvPr id="19" name="직사각형 18">
+            <a:extLst>
+              <a:ext uri="{FF2B5EF4-FFF2-40B4-BE49-F238E27FC236}">
+                <a16:creationId xmlns:a16="http://schemas.microsoft.com/office/drawing/2014/main" id="{28B24456-7386-DAB0-5C08-3EF0876BBD1D}"/>
+              </a:ext>
+            </a:extLst>
+          </p:cNvPr>
+          <p:cNvSpPr/>
+          <p:nvPr/>
+        </p:nvSpPr>
+        <p:spPr>
+          <a:xfrm>
+            <a:off x="7675356" y="4114256"/>
+            <a:ext cx="1009650" cy="301291"/>
+          </a:xfrm>
+          <a:prstGeom prst="rect">
+            <a:avLst/>
+          </a:prstGeom>
+        </p:spPr>
+        <p:style>
+          <a:lnRef idx="2">
+            <a:schemeClr val="accent1">
+              <a:shade val="15000"/>
+            </a:schemeClr>
+          </a:lnRef>
+          <a:fillRef idx="1">
+            <a:schemeClr val="accent1"/>
+          </a:fillRef>
+          <a:effectRef idx="0">
+            <a:schemeClr val="accent1"/>
+          </a:effectRef>
+          <a:fontRef idx="minor">
+            <a:schemeClr val="lt1"/>
+          </a:fontRef>
+        </p:style>
+        <p:txBody>
+          <a:bodyPr rtlCol="0" anchor="ctr"/>
+          <a:lstStyle/>
+          <a:p>
+            <a:pPr algn="ctr"/>
+            <a:endParaRPr lang="ko-KR" altLang="en-US"/>
+          </a:p>
+        </p:txBody>
+      </p:sp>
+      <p:sp>
+        <p:nvSpPr>
+          <p:cNvPr id="20" name="직사각형 19">
+            <a:extLst>
+              <a:ext uri="{FF2B5EF4-FFF2-40B4-BE49-F238E27FC236}">
+                <a16:creationId xmlns:a16="http://schemas.microsoft.com/office/drawing/2014/main" id="{1EBA8AB2-3997-9390-C5A6-954D6175C70E}"/>
+              </a:ext>
+            </a:extLst>
+          </p:cNvPr>
+          <p:cNvSpPr/>
+          <p:nvPr/>
+        </p:nvSpPr>
+        <p:spPr>
+          <a:xfrm>
+            <a:off x="7675356" y="4414004"/>
+            <a:ext cx="1009650" cy="301291"/>
+          </a:xfrm>
+          <a:prstGeom prst="rect">
+            <a:avLst/>
+          </a:prstGeom>
+        </p:spPr>
+        <p:style>
+          <a:lnRef idx="2">
+            <a:schemeClr val="accent1">
+              <a:shade val="15000"/>
+            </a:schemeClr>
+          </a:lnRef>
+          <a:fillRef idx="1">
+            <a:schemeClr val="accent1"/>
+          </a:fillRef>
+          <a:effectRef idx="0">
+            <a:schemeClr val="accent1"/>
+          </a:effectRef>
+          <a:fontRef idx="minor">
+            <a:schemeClr val="lt1"/>
+          </a:fontRef>
+        </p:style>
+        <p:txBody>
+          <a:bodyPr rtlCol="0" anchor="ctr"/>
+          <a:lstStyle/>
+          <a:p>
+            <a:pPr algn="ctr"/>
+            <a:endParaRPr lang="ko-KR" altLang="en-US"/>
+          </a:p>
+        </p:txBody>
+      </p:sp>
+      <p:sp>
+        <p:nvSpPr>
+          <p:cNvPr id="21" name="직사각형 20">
+            <a:extLst>
+              <a:ext uri="{FF2B5EF4-FFF2-40B4-BE49-F238E27FC236}">
+                <a16:creationId xmlns:a16="http://schemas.microsoft.com/office/drawing/2014/main" id="{75CD2C11-CF00-EA5F-2953-F962144F75A5}"/>
+              </a:ext>
+            </a:extLst>
+          </p:cNvPr>
+          <p:cNvSpPr/>
+          <p:nvPr/>
+        </p:nvSpPr>
+        <p:spPr>
+          <a:xfrm>
+            <a:off x="7675356" y="4685256"/>
+            <a:ext cx="1009650" cy="301291"/>
+          </a:xfrm>
+          <a:prstGeom prst="rect">
+            <a:avLst/>
+          </a:prstGeom>
+        </p:spPr>
+        <p:style>
+          <a:lnRef idx="2">
+            <a:schemeClr val="accent1">
+              <a:shade val="15000"/>
+            </a:schemeClr>
+          </a:lnRef>
+          <a:fillRef idx="1">
+            <a:schemeClr val="accent1"/>
+          </a:fillRef>
+          <a:effectRef idx="0">
+            <a:schemeClr val="accent1"/>
+          </a:effectRef>
+          <a:fontRef idx="minor">
+            <a:schemeClr val="lt1"/>
+          </a:fontRef>
+        </p:style>
+        <p:txBody>
+          <a:bodyPr rtlCol="0" anchor="ctr"/>
+          <a:lstStyle/>
+          <a:p>
+            <a:pPr algn="ctr"/>
+            <a:endParaRPr lang="ko-KR" altLang="en-US"/>
+          </a:p>
+        </p:txBody>
+      </p:sp>
+      <p:sp>
+        <p:nvSpPr>
+          <p:cNvPr id="22" name="직사각형 21">
+            <a:extLst>
+              <a:ext uri="{FF2B5EF4-FFF2-40B4-BE49-F238E27FC236}">
+                <a16:creationId xmlns:a16="http://schemas.microsoft.com/office/drawing/2014/main" id="{1EE504B5-A543-A4F7-75CE-AC63D30D790E}"/>
+              </a:ext>
+            </a:extLst>
+          </p:cNvPr>
+          <p:cNvSpPr/>
+          <p:nvPr/>
+        </p:nvSpPr>
+        <p:spPr>
+          <a:xfrm>
+            <a:off x="7675356" y="5004433"/>
+            <a:ext cx="1009650" cy="301291"/>
+          </a:xfrm>
+          <a:prstGeom prst="rect">
+            <a:avLst/>
+          </a:prstGeom>
+        </p:spPr>
+        <p:style>
+          <a:lnRef idx="2">
+            <a:schemeClr val="accent1">
+              <a:shade val="15000"/>
+            </a:schemeClr>
+          </a:lnRef>
+          <a:fillRef idx="1">
+            <a:schemeClr val="accent1"/>
+          </a:fillRef>
+          <a:effectRef idx="0">
+            <a:schemeClr val="accent1"/>
+          </a:effectRef>
+          <a:fontRef idx="minor">
+            <a:schemeClr val="lt1"/>
+          </a:fontRef>
+        </p:style>
+        <p:txBody>
+          <a:bodyPr rtlCol="0" anchor="ctr"/>
+          <a:lstStyle/>
+          <a:p>
+            <a:pPr algn="ctr"/>
+            <a:endParaRPr lang="ko-KR" altLang="en-US"/>
+          </a:p>
+        </p:txBody>
+      </p:sp>
+      <p:sp>
+        <p:nvSpPr>
+          <p:cNvPr id="23" name="직사각형 22">
+            <a:extLst>
+              <a:ext uri="{FF2B5EF4-FFF2-40B4-BE49-F238E27FC236}">
+                <a16:creationId xmlns:a16="http://schemas.microsoft.com/office/drawing/2014/main" id="{9D382C39-2D91-B499-5EEB-F61653EF008D}"/>
+              </a:ext>
+            </a:extLst>
+          </p:cNvPr>
+          <p:cNvSpPr/>
+          <p:nvPr/>
+        </p:nvSpPr>
+        <p:spPr>
+          <a:xfrm>
+            <a:off x="7675356" y="5282482"/>
+            <a:ext cx="1009650" cy="301291"/>
+          </a:xfrm>
+          <a:prstGeom prst="rect">
+            <a:avLst/>
+          </a:prstGeom>
+          <a:solidFill>
+            <a:srgbClr val="9B94C8"/>
+          </a:solidFill>
+        </p:spPr>
+        <p:style>
+          <a:lnRef idx="2">
+            <a:schemeClr val="accent1">
+              <a:shade val="15000"/>
+            </a:schemeClr>
+          </a:lnRef>
+          <a:fillRef idx="1">
+            <a:schemeClr val="accent1"/>
+          </a:fillRef>
+          <a:effectRef idx="0">
+            <a:schemeClr val="accent1"/>
+          </a:effectRef>
+          <a:fontRef idx="minor">
+            <a:schemeClr val="lt1"/>
+          </a:fontRef>
+        </p:style>
+        <p:txBody>
+          <a:bodyPr rtlCol="0" anchor="ctr"/>
+          <a:lstStyle/>
+          <a:p>
+            <a:pPr algn="ctr"/>
+            <a:endParaRPr lang="ko-KR" altLang="en-US"/>
+          </a:p>
+        </p:txBody>
+      </p:sp>
+      <p:sp>
+        <p:nvSpPr>
+          <p:cNvPr id="24" name="직사각형 23">
+            <a:extLst>
+              <a:ext uri="{FF2B5EF4-FFF2-40B4-BE49-F238E27FC236}">
+                <a16:creationId xmlns:a16="http://schemas.microsoft.com/office/drawing/2014/main" id="{B538CBF7-A46B-EEC3-599F-D587D75EFA25}"/>
+              </a:ext>
+            </a:extLst>
+          </p:cNvPr>
+          <p:cNvSpPr/>
+          <p:nvPr/>
+        </p:nvSpPr>
+        <p:spPr>
+          <a:xfrm>
+            <a:off x="7675356" y="5593622"/>
+            <a:ext cx="1009650" cy="301291"/>
+          </a:xfrm>
+          <a:prstGeom prst="rect">
+            <a:avLst/>
+          </a:prstGeom>
+        </p:spPr>
+        <p:style>
+          <a:lnRef idx="2">
+            <a:schemeClr val="accent1">
+              <a:shade val="15000"/>
+            </a:schemeClr>
+          </a:lnRef>
+          <a:fillRef idx="1">
+            <a:schemeClr val="accent1"/>
+          </a:fillRef>
+          <a:effectRef idx="0">
+            <a:schemeClr val="accent1"/>
+          </a:effectRef>
+          <a:fontRef idx="minor">
+            <a:schemeClr val="lt1"/>
+          </a:fontRef>
+        </p:style>
+        <p:txBody>
+          <a:bodyPr rtlCol="0" anchor="ctr"/>
+          <a:lstStyle/>
+          <a:p>
+            <a:pPr algn="ctr"/>
+            <a:endParaRPr lang="ko-KR" altLang="en-US"/>
+          </a:p>
+        </p:txBody>
+      </p:sp>
+      <p:sp>
+        <p:nvSpPr>
+          <p:cNvPr id="25" name="직사각형 24">
+            <a:extLst>
+              <a:ext uri="{FF2B5EF4-FFF2-40B4-BE49-F238E27FC236}">
+                <a16:creationId xmlns:a16="http://schemas.microsoft.com/office/drawing/2014/main" id="{D7DB35C4-A4AB-2C54-03A2-EE5C89EC31EE}"/>
+              </a:ext>
+            </a:extLst>
+          </p:cNvPr>
+          <p:cNvSpPr/>
+          <p:nvPr/>
+        </p:nvSpPr>
+        <p:spPr>
+          <a:xfrm>
+            <a:off x="7675356" y="5894913"/>
+            <a:ext cx="1009650" cy="301291"/>
+          </a:xfrm>
+          <a:prstGeom prst="rect">
+            <a:avLst/>
+          </a:prstGeom>
+        </p:spPr>
+        <p:style>
+          <a:lnRef idx="2">
+            <a:schemeClr val="accent1">
+              <a:shade val="15000"/>
+            </a:schemeClr>
+          </a:lnRef>
+          <a:fillRef idx="1">
+            <a:schemeClr val="accent1"/>
+          </a:fillRef>
+          <a:effectRef idx="0">
+            <a:schemeClr val="accent1"/>
+          </a:effectRef>
+          <a:fontRef idx="minor">
+            <a:schemeClr val="lt1"/>
+          </a:fontRef>
+        </p:style>
+        <p:txBody>
+          <a:bodyPr rtlCol="0" anchor="ctr"/>
+          <a:lstStyle/>
+          <a:p>
+            <a:pPr algn="ctr"/>
+            <a:endParaRPr lang="ko-KR" altLang="en-US"/>
+          </a:p>
+        </p:txBody>
+      </p:sp>
+      <p:sp>
+        <p:nvSpPr>
+          <p:cNvPr id="26" name="직사각형 25">
+            <a:extLst>
+              <a:ext uri="{FF2B5EF4-FFF2-40B4-BE49-F238E27FC236}">
+                <a16:creationId xmlns:a16="http://schemas.microsoft.com/office/drawing/2014/main" id="{E70A7B92-6E15-E0EE-8BBA-08E488FB3749}"/>
+              </a:ext>
+            </a:extLst>
+          </p:cNvPr>
+          <p:cNvSpPr/>
+          <p:nvPr/>
+        </p:nvSpPr>
+        <p:spPr>
+          <a:xfrm>
+            <a:off x="7675356" y="6196204"/>
+            <a:ext cx="1009650" cy="301291"/>
+          </a:xfrm>
+          <a:prstGeom prst="rect">
+            <a:avLst/>
+          </a:prstGeom>
+        </p:spPr>
+        <p:style>
+          <a:lnRef idx="2">
+            <a:schemeClr val="accent1">
+              <a:shade val="15000"/>
+            </a:schemeClr>
+          </a:lnRef>
+          <a:fillRef idx="1">
+            <a:schemeClr val="accent1"/>
+          </a:fillRef>
+          <a:effectRef idx="0">
+            <a:schemeClr val="accent1"/>
+          </a:effectRef>
+          <a:fontRef idx="minor">
+            <a:schemeClr val="lt1"/>
+          </a:fontRef>
+        </p:style>
+        <p:txBody>
+          <a:bodyPr rtlCol="0" anchor="ctr"/>
+          <a:lstStyle/>
+          <a:p>
+            <a:pPr algn="ctr"/>
+            <a:endParaRPr lang="ko-KR" altLang="en-US"/>
+          </a:p>
+        </p:txBody>
+      </p:sp>
+      <p:sp>
+        <p:nvSpPr>
+          <p:cNvPr id="27" name="직사각형 26">
+            <a:extLst>
+              <a:ext uri="{FF2B5EF4-FFF2-40B4-BE49-F238E27FC236}">
+                <a16:creationId xmlns:a16="http://schemas.microsoft.com/office/drawing/2014/main" id="{099DFF0F-4EB6-CEE9-3488-F60EE86361E3}"/>
+              </a:ext>
+            </a:extLst>
+          </p:cNvPr>
+          <p:cNvSpPr/>
+          <p:nvPr/>
+        </p:nvSpPr>
+        <p:spPr>
+          <a:xfrm>
+            <a:off x="10467474" y="428624"/>
+            <a:ext cx="914400" cy="914400"/>
+          </a:xfrm>
+          <a:prstGeom prst="rect">
+            <a:avLst/>
+          </a:prstGeom>
+        </p:spPr>
+        <p:style>
+          <a:lnRef idx="2">
+            <a:schemeClr val="accent1">
+              <a:shade val="15000"/>
+            </a:schemeClr>
+          </a:lnRef>
+          <a:fillRef idx="1">
+            <a:schemeClr val="accent1"/>
+          </a:fillRef>
+          <a:effectRef idx="0">
+            <a:schemeClr val="accent1"/>
+          </a:effectRef>
+          <a:fontRef idx="minor">
+            <a:schemeClr val="lt1"/>
+          </a:fontRef>
+        </p:style>
+        <p:txBody>
+          <a:bodyPr rtlCol="0" anchor="ctr"/>
+          <a:lstStyle/>
+          <a:p>
+            <a:pPr algn="ctr"/>
+            <a:r>
+              <a:rPr lang="en-US" altLang="ko-KR" dirty="0"/>
+              <a:t>15</a:t>
+            </a:r>
+            <a:endParaRPr lang="ko-KR" altLang="en-US" dirty="0"/>
+          </a:p>
+        </p:txBody>
+      </p:sp>
+      <p:pic>
+        <p:nvPicPr>
+          <p:cNvPr id="7" name="그림 6">
+            <a:extLst>
+              <a:ext uri="{FF2B5EF4-FFF2-40B4-BE49-F238E27FC236}">
+                <a16:creationId xmlns:a16="http://schemas.microsoft.com/office/drawing/2014/main" id="{BE4750DC-E505-6335-D86D-73BE184C0434}"/>
+              </a:ext>
+            </a:extLst>
+          </p:cNvPr>
+          <p:cNvPicPr>
+            <a:picLocks noChangeAspect="1"/>
+          </p:cNvPicPr>
+          <p:nvPr/>
+        </p:nvPicPr>
+        <p:blipFill>
+          <a:blip r:embed="rId2"/>
+          <a:stretch>
+            <a:fillRect/>
+          </a:stretch>
+        </p:blipFill>
+        <p:spPr>
+          <a:xfrm>
+            <a:off x="4234581" y="360505"/>
+            <a:ext cx="3440775" cy="6433327"/>
+          </a:xfrm>
+          <a:prstGeom prst="rect">
+            <a:avLst/>
+          </a:prstGeom>
+        </p:spPr>
+      </p:pic>
+      <p:sp>
+        <p:nvSpPr>
+          <p:cNvPr id="4" name="직사각형 3">
+            <a:extLst>
+              <a:ext uri="{FF2B5EF4-FFF2-40B4-BE49-F238E27FC236}">
+                <a16:creationId xmlns:a16="http://schemas.microsoft.com/office/drawing/2014/main" id="{BE1F9F97-925D-42A7-9F97-A4C1F1E4A8EA}"/>
+              </a:ext>
+            </a:extLst>
+          </p:cNvPr>
+          <p:cNvSpPr/>
+          <p:nvPr/>
+        </p:nvSpPr>
+        <p:spPr>
+          <a:xfrm>
+            <a:off x="1227221" y="1122363"/>
+            <a:ext cx="2630905" cy="45719"/>
+          </a:xfrm>
+          <a:prstGeom prst="rect">
+            <a:avLst/>
+          </a:prstGeom>
+          <a:solidFill>
+            <a:srgbClr val="D8D8D8"/>
+          </a:solidFill>
+          <a:ln>
+            <a:noFill/>
+          </a:ln>
+        </p:spPr>
+        <p:style>
+          <a:lnRef idx="2">
+            <a:schemeClr val="accent1">
+              <a:shade val="15000"/>
+            </a:schemeClr>
+          </a:lnRef>
+          <a:fillRef idx="1">
+            <a:schemeClr val="accent1"/>
+          </a:fillRef>
+          <a:effectRef idx="0">
+            <a:schemeClr val="accent1"/>
+          </a:effectRef>
+          <a:fontRef idx="minor">
+            <a:schemeClr val="lt1"/>
+          </a:fontRef>
+        </p:style>
+        <p:txBody>
+          <a:bodyPr rtlCol="0" anchor="ctr"/>
+          <a:lstStyle/>
+          <a:p>
+            <a:pPr algn="ctr"/>
+            <a:endParaRPr lang="ko-KR" altLang="en-US"/>
+          </a:p>
+        </p:txBody>
+      </p:sp>
+      <p:sp>
+        <p:nvSpPr>
+          <p:cNvPr id="28" name="직사각형 27">
+            <a:extLst>
+              <a:ext uri="{FF2B5EF4-FFF2-40B4-BE49-F238E27FC236}">
+                <a16:creationId xmlns:a16="http://schemas.microsoft.com/office/drawing/2014/main" id="{87751CF0-213C-1C2F-2A3C-D5A85354A963}"/>
+              </a:ext>
+            </a:extLst>
+          </p:cNvPr>
+          <p:cNvSpPr/>
+          <p:nvPr/>
+        </p:nvSpPr>
+        <p:spPr>
+          <a:xfrm>
+            <a:off x="936135" y="1122363"/>
+            <a:ext cx="1213508" cy="45719"/>
+          </a:xfrm>
+          <a:prstGeom prst="rect">
+            <a:avLst/>
+          </a:prstGeom>
+          <a:solidFill>
+            <a:srgbClr val="DADDFC"/>
+          </a:solidFill>
+          <a:ln>
+            <a:noFill/>
+          </a:ln>
+        </p:spPr>
+        <p:style>
+          <a:lnRef idx="2">
+            <a:schemeClr val="accent1">
+              <a:shade val="15000"/>
+            </a:schemeClr>
+          </a:lnRef>
+          <a:fillRef idx="1">
+            <a:schemeClr val="accent1"/>
+          </a:fillRef>
+          <a:effectRef idx="0">
+            <a:schemeClr val="accent1"/>
+          </a:effectRef>
+          <a:fontRef idx="minor">
+            <a:schemeClr val="lt1"/>
+          </a:fontRef>
+        </p:style>
+        <p:txBody>
+          <a:bodyPr rtlCol="0" anchor="ctr"/>
+          <a:lstStyle/>
+          <a:p>
+            <a:pPr algn="ctr"/>
+            <a:endParaRPr lang="ko-KR" altLang="en-US"/>
+          </a:p>
+        </p:txBody>
+      </p:sp>
+      <p:sp>
+        <p:nvSpPr>
+          <p:cNvPr id="29" name="타원 28">
+            <a:extLst>
+              <a:ext uri="{FF2B5EF4-FFF2-40B4-BE49-F238E27FC236}">
+                <a16:creationId xmlns:a16="http://schemas.microsoft.com/office/drawing/2014/main" id="{698AFCEC-1AF4-3506-77D6-096A821D394B}"/>
+              </a:ext>
+            </a:extLst>
+          </p:cNvPr>
+          <p:cNvSpPr/>
+          <p:nvPr/>
+        </p:nvSpPr>
+        <p:spPr>
+          <a:xfrm>
+            <a:off x="2101517" y="1101197"/>
+            <a:ext cx="110189" cy="110189"/>
+          </a:xfrm>
+          <a:prstGeom prst="ellipse">
+            <a:avLst/>
+          </a:prstGeom>
+          <a:solidFill>
+            <a:srgbClr val="9B94C8"/>
+          </a:solidFill>
+          <a:ln>
+            <a:noFill/>
+          </a:ln>
+        </p:spPr>
+        <p:style>
+          <a:lnRef idx="2">
+            <a:schemeClr val="accent1">
+              <a:shade val="15000"/>
+            </a:schemeClr>
+          </a:lnRef>
+          <a:fillRef idx="1">
+            <a:schemeClr val="accent1"/>
+          </a:fillRef>
+          <a:effectRef idx="0">
+            <a:schemeClr val="accent1"/>
+          </a:effectRef>
+          <a:fontRef idx="minor">
+            <a:schemeClr val="lt1"/>
+          </a:fontRef>
+        </p:style>
+        <p:txBody>
+          <a:bodyPr rtlCol="0" anchor="ctr"/>
+          <a:lstStyle/>
+          <a:p>
+            <a:pPr algn="ctr"/>
+            <a:endParaRPr lang="ko-KR" altLang="en-US"/>
+          </a:p>
+        </p:txBody>
+      </p:sp>
+      <p:pic>
+        <p:nvPicPr>
+          <p:cNvPr id="31" name="그림 30">
+            <a:extLst>
+              <a:ext uri="{FF2B5EF4-FFF2-40B4-BE49-F238E27FC236}">
+                <a16:creationId xmlns:a16="http://schemas.microsoft.com/office/drawing/2014/main" id="{C5FE4D88-7B2A-47A9-13BB-84A50601BB7E}"/>
+              </a:ext>
+            </a:extLst>
+          </p:cNvPr>
+          <p:cNvPicPr>
+            <a:picLocks noChangeAspect="1"/>
+          </p:cNvPicPr>
+          <p:nvPr/>
+        </p:nvPicPr>
+        <p:blipFill>
+          <a:blip r:embed="rId3"/>
+          <a:stretch>
+            <a:fillRect/>
+          </a:stretch>
+        </p:blipFill>
+        <p:spPr>
+          <a:xfrm>
+            <a:off x="4242818" y="353498"/>
+            <a:ext cx="3313013" cy="6479077"/>
+          </a:xfrm>
+          <a:prstGeom prst="rect">
+            <a:avLst/>
+          </a:prstGeom>
+        </p:spPr>
+      </p:pic>
+    </p:spTree>
+    <p:extLst>
+      <p:ext uri="{BB962C8B-B14F-4D97-AF65-F5344CB8AC3E}">
+        <p14:creationId xmlns:p14="http://schemas.microsoft.com/office/powerpoint/2010/main" val="3072695238"/>
       </p:ext>
     </p:extLst>
   </p:cSld>
